--- a/Lecture Slides/17 Advanced Data Handling.pptx
+++ b/Lecture Slides/17 Advanced Data Handling.pptx
@@ -14,10 +14,10 @@
     <p:sldId id="256" r:id="rId2"/>
     <p:sldId id="258" r:id="rId3"/>
     <p:sldId id="257" r:id="rId4"/>
-    <p:sldId id="283" r:id="rId5"/>
-    <p:sldId id="311" r:id="rId6"/>
-    <p:sldId id="264" r:id="rId7"/>
-    <p:sldId id="284" r:id="rId8"/>
+    <p:sldId id="311" r:id="rId5"/>
+    <p:sldId id="264" r:id="rId6"/>
+    <p:sldId id="284" r:id="rId7"/>
+    <p:sldId id="283" r:id="rId8"/>
     <p:sldId id="267" r:id="rId9"/>
     <p:sldId id="286" r:id="rId10"/>
     <p:sldId id="290" r:id="rId11"/>
@@ -3679,11 +3679,295 @@
           </a:p>
         </p:txBody>
       </p:sp>
+      <p:sp>
+        <p:nvSpPr>
+          <p:cNvPr id="4" name="Subtitle 2">
+            <a:extLst>
+              <a:ext uri="{FF2B5EF4-FFF2-40B4-BE49-F238E27FC236}">
+                <a16:creationId xmlns:a16="http://schemas.microsoft.com/office/drawing/2014/main" id="{77BEEEC1-C730-4A85-B66B-6E2FFD2AFF48}"/>
+              </a:ext>
+            </a:extLst>
+          </p:cNvPr>
+          <p:cNvSpPr txBox="1">
+            <a:spLocks/>
+          </p:cNvSpPr>
+          <p:nvPr/>
+        </p:nvSpPr>
+        <p:spPr>
+          <a:xfrm>
+            <a:off x="0" y="294482"/>
+            <a:ext cx="9144000" cy="1655762"/>
+          </a:xfrm>
+          <a:prstGeom prst="rect">
+            <a:avLst/>
+          </a:prstGeom>
+        </p:spPr>
+        <p:txBody>
+          <a:bodyPr vert="horz" lIns="91440" tIns="45720" rIns="91440" bIns="45720" rtlCol="0">
+            <a:normAutofit/>
+          </a:bodyPr>
+          <a:lstStyle>
+            <a:lvl1pPr marL="0" indent="0" algn="ctr" defTabSz="685800" rtl="0" eaLnBrk="1" latinLnBrk="0" hangingPunct="1">
+              <a:lnSpc>
+                <a:spcPct val="90000"/>
+              </a:lnSpc>
+              <a:spcBef>
+                <a:spcPts val="750"/>
+              </a:spcBef>
+              <a:buFont typeface="Arial"/>
+              <a:buNone/>
+              <a:defRPr sz="1800" kern="1200">
+                <a:solidFill>
+                  <a:schemeClr val="bg1"/>
+                </a:solidFill>
+                <a:latin typeface="+mn-lt"/>
+                <a:ea typeface="+mn-ea"/>
+                <a:cs typeface="+mn-cs"/>
+              </a:defRPr>
+            </a:lvl1pPr>
+            <a:lvl2pPr marL="342900" indent="0" algn="ctr" defTabSz="685800" rtl="0" eaLnBrk="1" latinLnBrk="0" hangingPunct="1">
+              <a:lnSpc>
+                <a:spcPct val="90000"/>
+              </a:lnSpc>
+              <a:spcBef>
+                <a:spcPts val="375"/>
+              </a:spcBef>
+              <a:buFont typeface="Arial"/>
+              <a:buNone/>
+              <a:defRPr sz="1500" kern="1200">
+                <a:solidFill>
+                  <a:schemeClr val="bg1"/>
+                </a:solidFill>
+                <a:latin typeface="+mn-lt"/>
+                <a:ea typeface="+mn-ea"/>
+                <a:cs typeface="+mn-cs"/>
+              </a:defRPr>
+            </a:lvl2pPr>
+            <a:lvl3pPr marL="685800" indent="0" algn="ctr" defTabSz="685800" rtl="0" eaLnBrk="1" latinLnBrk="0" hangingPunct="1">
+              <a:lnSpc>
+                <a:spcPct val="90000"/>
+              </a:lnSpc>
+              <a:spcBef>
+                <a:spcPts val="375"/>
+              </a:spcBef>
+              <a:buFont typeface="Arial"/>
+              <a:buNone/>
+              <a:defRPr sz="1350" kern="1200">
+                <a:solidFill>
+                  <a:schemeClr val="bg1"/>
+                </a:solidFill>
+                <a:latin typeface="+mn-lt"/>
+                <a:ea typeface="+mn-ea"/>
+                <a:cs typeface="+mn-cs"/>
+              </a:defRPr>
+            </a:lvl3pPr>
+            <a:lvl4pPr marL="1028700" indent="0" algn="ctr" defTabSz="685800" rtl="0" eaLnBrk="1" latinLnBrk="0" hangingPunct="1">
+              <a:lnSpc>
+                <a:spcPct val="90000"/>
+              </a:lnSpc>
+              <a:spcBef>
+                <a:spcPts val="375"/>
+              </a:spcBef>
+              <a:buFont typeface="Arial"/>
+              <a:buNone/>
+              <a:defRPr sz="1200" kern="1200">
+                <a:solidFill>
+                  <a:schemeClr val="bg1"/>
+                </a:solidFill>
+                <a:latin typeface="+mn-lt"/>
+                <a:ea typeface="+mn-ea"/>
+                <a:cs typeface="+mn-cs"/>
+              </a:defRPr>
+            </a:lvl4pPr>
+            <a:lvl5pPr marL="1371600" indent="0" algn="ctr" defTabSz="685800" rtl="0" eaLnBrk="1" latinLnBrk="0" hangingPunct="1">
+              <a:lnSpc>
+                <a:spcPct val="90000"/>
+              </a:lnSpc>
+              <a:spcBef>
+                <a:spcPts val="375"/>
+              </a:spcBef>
+              <a:buFont typeface="Arial"/>
+              <a:buNone/>
+              <a:defRPr sz="1200" kern="1200">
+                <a:solidFill>
+                  <a:schemeClr val="bg1"/>
+                </a:solidFill>
+                <a:latin typeface="+mn-lt"/>
+                <a:ea typeface="+mn-ea"/>
+                <a:cs typeface="+mn-cs"/>
+              </a:defRPr>
+            </a:lvl5pPr>
+            <a:lvl6pPr marL="1714500" indent="0" algn="ctr" defTabSz="685800" rtl="0" eaLnBrk="1" latinLnBrk="0" hangingPunct="1">
+              <a:lnSpc>
+                <a:spcPct val="90000"/>
+              </a:lnSpc>
+              <a:spcBef>
+                <a:spcPts val="375"/>
+              </a:spcBef>
+              <a:buFont typeface="Arial"/>
+              <a:buNone/>
+              <a:defRPr sz="1200" kern="1200">
+                <a:solidFill>
+                  <a:schemeClr val="tx1"/>
+                </a:solidFill>
+                <a:latin typeface="+mn-lt"/>
+                <a:ea typeface="+mn-ea"/>
+                <a:cs typeface="+mn-cs"/>
+              </a:defRPr>
+            </a:lvl6pPr>
+            <a:lvl7pPr marL="2057400" indent="0" algn="ctr" defTabSz="685800" rtl="0" eaLnBrk="1" latinLnBrk="0" hangingPunct="1">
+              <a:lnSpc>
+                <a:spcPct val="90000"/>
+              </a:lnSpc>
+              <a:spcBef>
+                <a:spcPts val="375"/>
+              </a:spcBef>
+              <a:buFont typeface="Arial"/>
+              <a:buNone/>
+              <a:defRPr sz="1200" kern="1200">
+                <a:solidFill>
+                  <a:schemeClr val="tx1"/>
+                </a:solidFill>
+                <a:latin typeface="+mn-lt"/>
+                <a:ea typeface="+mn-ea"/>
+                <a:cs typeface="+mn-cs"/>
+              </a:defRPr>
+            </a:lvl7pPr>
+            <a:lvl8pPr marL="2400300" indent="0" algn="ctr" defTabSz="685800" rtl="0" eaLnBrk="1" latinLnBrk="0" hangingPunct="1">
+              <a:lnSpc>
+                <a:spcPct val="90000"/>
+              </a:lnSpc>
+              <a:spcBef>
+                <a:spcPts val="375"/>
+              </a:spcBef>
+              <a:buFont typeface="Arial"/>
+              <a:buNone/>
+              <a:defRPr sz="1200" kern="1200">
+                <a:solidFill>
+                  <a:schemeClr val="tx1"/>
+                </a:solidFill>
+                <a:latin typeface="+mn-lt"/>
+                <a:ea typeface="+mn-ea"/>
+                <a:cs typeface="+mn-cs"/>
+              </a:defRPr>
+            </a:lvl8pPr>
+            <a:lvl9pPr marL="2743200" indent="0" algn="ctr" defTabSz="685800" rtl="0" eaLnBrk="1" latinLnBrk="0" hangingPunct="1">
+              <a:lnSpc>
+                <a:spcPct val="90000"/>
+              </a:lnSpc>
+              <a:spcBef>
+                <a:spcPts val="375"/>
+              </a:spcBef>
+              <a:buFont typeface="Arial"/>
+              <a:buNone/>
+              <a:defRPr sz="1200" kern="1200">
+                <a:solidFill>
+                  <a:schemeClr val="tx1"/>
+                </a:solidFill>
+                <a:latin typeface="+mn-lt"/>
+                <a:ea typeface="+mn-ea"/>
+                <a:cs typeface="+mn-cs"/>
+              </a:defRPr>
+            </a:lvl9pPr>
+          </a:lstStyle>
+          <a:p>
+            <a:endParaRPr lang="en-US" sz="3600" dirty="0"/>
+          </a:p>
+          <a:p>
+            <a:r>
+              <a:rPr lang="en-US" sz="3600" dirty="0">
+                <a:solidFill>
+                  <a:srgbClr val="FF0000"/>
+                </a:solidFill>
+              </a:rPr>
+              <a:t>Run Spring Server !!!</a:t>
+            </a:r>
+          </a:p>
+        </p:txBody>
+      </p:sp>
     </p:spTree>
   </p:cSld>
   <p:clrMapOvr>
     <a:masterClrMapping/>
   </p:clrMapOvr>
+  <p:timing>
+    <p:tnLst>
+      <p:par>
+        <p:cTn id="1" dur="indefinite" restart="never" nodeType="tmRoot">
+          <p:childTnLst>
+            <p:seq concurrent="1" nextAc="seek">
+              <p:cTn id="2" dur="indefinite" nodeType="mainSeq">
+                <p:childTnLst>
+                  <p:par>
+                    <p:cTn id="3" fill="hold">
+                      <p:stCondLst>
+                        <p:cond delay="indefinite"/>
+                      </p:stCondLst>
+                      <p:childTnLst>
+                        <p:par>
+                          <p:cTn id="4" fill="hold">
+                            <p:stCondLst>
+                              <p:cond delay="0"/>
+                            </p:stCondLst>
+                            <p:childTnLst>
+                              <p:par>
+                                <p:cTn id="5" presetID="1" presetClass="exit" presetSubtype="0" fill="hold" grpId="0" nodeType="clickEffect">
+                                  <p:stCondLst>
+                                    <p:cond delay="0"/>
+                                  </p:stCondLst>
+                                  <p:childTnLst>
+                                    <p:set>
+                                      <p:cBhvr>
+                                        <p:cTn id="6" dur="1" fill="hold">
+                                          <p:stCondLst>
+                                            <p:cond delay="0"/>
+                                          </p:stCondLst>
+                                        </p:cTn>
+                                        <p:tgtEl>
+                                          <p:spTgt spid="4"/>
+                                        </p:tgtEl>
+                                        <p:attrNameLst>
+                                          <p:attrName>style.visibility</p:attrName>
+                                        </p:attrNameLst>
+                                      </p:cBhvr>
+                                      <p:to>
+                                        <p:strVal val="hidden"/>
+                                      </p:to>
+                                    </p:set>
+                                  </p:childTnLst>
+                                </p:cTn>
+                              </p:par>
+                            </p:childTnLst>
+                          </p:cTn>
+                        </p:par>
+                      </p:childTnLst>
+                    </p:cTn>
+                  </p:par>
+                </p:childTnLst>
+              </p:cTn>
+              <p:prevCondLst>
+                <p:cond evt="onPrev" delay="0">
+                  <p:tgtEl>
+                    <p:sldTgt/>
+                  </p:tgtEl>
+                </p:cond>
+              </p:prevCondLst>
+              <p:nextCondLst>
+                <p:cond evt="onNext" delay="0">
+                  <p:tgtEl>
+                    <p:sldTgt/>
+                  </p:tgtEl>
+                </p:cond>
+              </p:nextCondLst>
+            </p:seq>
+          </p:childTnLst>
+        </p:cTn>
+      </p:par>
+    </p:tnLst>
+    <p:bldLst>
+      <p:bldP spid="4" grpId="0"/>
+    </p:bldLst>
+  </p:timing>
 </p:sld>
 </file>
 
@@ -7383,7 +7667,7 @@
         <p:spPr>
           <a:xfrm>
             <a:off x="372533" y="3428999"/>
-            <a:ext cx="2647244" cy="575733"/>
+            <a:ext cx="2761888" cy="575733"/>
           </a:xfrm>
           <a:prstGeom prst="rect">
             <a:avLst/>
@@ -7444,7 +7728,7 @@
         <p:spPr>
           <a:xfrm>
             <a:off x="372533" y="4016021"/>
-            <a:ext cx="2647244" cy="1042206"/>
+            <a:ext cx="2761888" cy="1042206"/>
           </a:xfrm>
           <a:prstGeom prst="rect">
             <a:avLst/>
@@ -7540,7 +7824,7 @@
         <p:spPr>
           <a:xfrm>
             <a:off x="369932" y="5065447"/>
-            <a:ext cx="2647244" cy="1042206"/>
+            <a:ext cx="2761888" cy="1042206"/>
           </a:xfrm>
           <a:prstGeom prst="rect">
             <a:avLst/>
@@ -7645,11 +7929,14 @@
               </a:rPr>
               <a:t>getUcardNumber</a:t>
             </a:r>
-            <a:endParaRPr lang="en-GB" dirty="0">
-              <a:solidFill>
-                <a:schemeClr val="tx1"/>
-              </a:solidFill>
-            </a:endParaRPr>
+            <a:r>
+              <a:rPr lang="en-GB" dirty="0">
+                <a:solidFill>
+                  <a:schemeClr val="tx1"/>
+                </a:solidFill>
+              </a:rPr>
+              <a:t>()</a:t>
+            </a:r>
           </a:p>
         </p:txBody>
       </p:sp>
@@ -7716,8 +8003,8 @@
         </p:nvCxnSpPr>
         <p:spPr>
           <a:xfrm flipH="1" flipV="1">
-            <a:off x="3649294" y="4536846"/>
-            <a:ext cx="2218812" cy="1"/>
+            <a:off x="3816087" y="4536846"/>
+            <a:ext cx="2052019" cy="1"/>
           </a:xfrm>
           <a:prstGeom prst="line">
             <a:avLst/>
@@ -7757,7 +8044,7 @@
         </p:nvSpPr>
         <p:spPr>
           <a:xfrm>
-            <a:off x="2964662" y="4397235"/>
+            <a:off x="3131455" y="4397235"/>
             <a:ext cx="684632" cy="279222"/>
           </a:xfrm>
           <a:prstGeom prst="flowChartDecision">
@@ -7850,7 +8137,7 @@
         </p:nvSpPr>
         <p:spPr>
           <a:xfrm>
-            <a:off x="3594178" y="4215418"/>
+            <a:off x="3685618" y="4215418"/>
             <a:ext cx="336952" cy="523220"/>
           </a:xfrm>
           <a:prstGeom prst="rect">
@@ -8300,6 +8587,53 @@
           </a:p>
         </p:txBody>
       </p:sp>
+      <p:sp>
+        <p:nvSpPr>
+          <p:cNvPr id="6" name="Action Button: Go to End 5">
+            <a:hlinkClick r:id="rId2" action="ppaction://hlinksldjump" highlightClick="1"/>
+            <a:extLst>
+              <a:ext uri="{FF2B5EF4-FFF2-40B4-BE49-F238E27FC236}">
+                <a16:creationId xmlns:a16="http://schemas.microsoft.com/office/drawing/2014/main" id="{26A421E5-C97F-4391-B87E-58C7C3BDA63D}"/>
+              </a:ext>
+            </a:extLst>
+          </p:cNvPr>
+          <p:cNvSpPr/>
+          <p:nvPr/>
+        </p:nvSpPr>
+        <p:spPr>
+          <a:xfrm>
+            <a:off x="8774430" y="6504447"/>
+            <a:ext cx="252000" cy="252000"/>
+          </a:xfrm>
+          <a:prstGeom prst="actionButtonEnd">
+            <a:avLst/>
+          </a:prstGeom>
+        </p:spPr>
+        <p:style>
+          <a:lnRef idx="2">
+            <a:schemeClr val="accent1">
+              <a:shade val="50000"/>
+            </a:schemeClr>
+          </a:lnRef>
+          <a:fillRef idx="1">
+            <a:schemeClr val="accent1"/>
+          </a:fillRef>
+          <a:effectRef idx="0">
+            <a:schemeClr val="accent1"/>
+          </a:effectRef>
+          <a:fontRef idx="minor">
+            <a:schemeClr val="lt1"/>
+          </a:fontRef>
+        </p:style>
+        <p:txBody>
+          <a:bodyPr rtlCol="0" anchor="ctr"/>
+          <a:lstStyle/>
+          <a:p>
+            <a:pPr algn="ctr"/>
+            <a:endParaRPr lang="en-GB" dirty="0"/>
+          </a:p>
+        </p:txBody>
+      </p:sp>
     </p:spTree>
     <p:extLst>
       <p:ext uri="{BB962C8B-B14F-4D97-AF65-F5344CB8AC3E}">
@@ -8729,6 +9063,53 @@
           </a:p>
         </p:txBody>
       </p:sp>
+      <p:sp>
+        <p:nvSpPr>
+          <p:cNvPr id="4" name="Action Button: Go to Beginning 3">
+            <a:hlinkClick r:id="rId2" action="ppaction://hlinksldjump" highlightClick="1"/>
+            <a:extLst>
+              <a:ext uri="{FF2B5EF4-FFF2-40B4-BE49-F238E27FC236}">
+                <a16:creationId xmlns:a16="http://schemas.microsoft.com/office/drawing/2014/main" id="{EAB8E15A-979C-4938-9512-D225138CAA96}"/>
+              </a:ext>
+            </a:extLst>
+          </p:cNvPr>
+          <p:cNvSpPr/>
+          <p:nvPr/>
+        </p:nvSpPr>
+        <p:spPr>
+          <a:xfrm>
+            <a:off x="8775276" y="6502541"/>
+            <a:ext cx="252000" cy="252000"/>
+          </a:xfrm>
+          <a:prstGeom prst="actionButtonBeginning">
+            <a:avLst/>
+          </a:prstGeom>
+        </p:spPr>
+        <p:style>
+          <a:lnRef idx="2">
+            <a:schemeClr val="accent1">
+              <a:shade val="50000"/>
+            </a:schemeClr>
+          </a:lnRef>
+          <a:fillRef idx="1">
+            <a:schemeClr val="accent1"/>
+          </a:fillRef>
+          <a:effectRef idx="0">
+            <a:schemeClr val="accent1"/>
+          </a:effectRef>
+          <a:fontRef idx="minor">
+            <a:schemeClr val="lt1"/>
+          </a:fontRef>
+        </p:style>
+        <p:txBody>
+          <a:bodyPr rtlCol="0" anchor="ctr"/>
+          <a:lstStyle/>
+          <a:p>
+            <a:pPr algn="ctr"/>
+            <a:endParaRPr lang="en-GB" dirty="0"/>
+          </a:p>
+        </p:txBody>
+      </p:sp>
     </p:spTree>
     <p:extLst>
       <p:ext uri="{BB962C8B-B14F-4D97-AF65-F5344CB8AC3E}">
@@ -8739,97 +9120,6 @@
   <p:clrMapOvr>
     <a:masterClrMapping/>
   </p:clrMapOvr>
-  <p:timing>
-    <p:tnLst>
-      <p:par>
-        <p:cTn id="1" dur="indefinite" restart="never" nodeType="tmRoot">
-          <p:childTnLst>
-            <p:seq concurrent="1" nextAc="seek">
-              <p:cTn id="2" dur="indefinite" nodeType="mainSeq">
-                <p:childTnLst>
-                  <p:par>
-                    <p:cTn id="3" fill="hold">
-                      <p:stCondLst>
-                        <p:cond delay="indefinite"/>
-                      </p:stCondLst>
-                      <p:childTnLst>
-                        <p:par>
-                          <p:cTn id="4" fill="hold">
-                            <p:stCondLst>
-                              <p:cond delay="0"/>
-                            </p:stCondLst>
-                            <p:childTnLst>
-                              <p:par>
-                                <p:cTn id="5" presetID="22" presetClass="entr" presetSubtype="8" fill="hold" nodeType="clickEffect">
-                                  <p:stCondLst>
-                                    <p:cond delay="0"/>
-                                  </p:stCondLst>
-                                  <p:childTnLst>
-                                    <p:set>
-                                      <p:cBhvr>
-                                        <p:cTn id="6" dur="1" fill="hold">
-                                          <p:stCondLst>
-                                            <p:cond delay="0"/>
-                                          </p:stCondLst>
-                                        </p:cTn>
-                                        <p:tgtEl>
-                                          <p:spTgt spid="3">
-                                            <p:txEl>
-                                              <p:pRg st="8" end="8"/>
-                                            </p:txEl>
-                                          </p:spTgt>
-                                        </p:tgtEl>
-                                        <p:attrNameLst>
-                                          <p:attrName>style.visibility</p:attrName>
-                                        </p:attrNameLst>
-                                      </p:cBhvr>
-                                      <p:to>
-                                        <p:strVal val="visible"/>
-                                      </p:to>
-                                    </p:set>
-                                    <p:animEffect transition="in" filter="wipe(left)">
-                                      <p:cBhvr>
-                                        <p:cTn id="7" dur="500"/>
-                                        <p:tgtEl>
-                                          <p:spTgt spid="3">
-                                            <p:txEl>
-                                              <p:pRg st="8" end="8"/>
-                                            </p:txEl>
-                                          </p:spTgt>
-                                        </p:tgtEl>
-                                      </p:cBhvr>
-                                    </p:animEffect>
-                                  </p:childTnLst>
-                                </p:cTn>
-                              </p:par>
-                            </p:childTnLst>
-                          </p:cTn>
-                        </p:par>
-                      </p:childTnLst>
-                    </p:cTn>
-                  </p:par>
-                </p:childTnLst>
-              </p:cTn>
-              <p:prevCondLst>
-                <p:cond evt="onPrev" delay="0">
-                  <p:tgtEl>
-                    <p:sldTgt/>
-                  </p:tgtEl>
-                </p:cond>
-              </p:prevCondLst>
-              <p:nextCondLst>
-                <p:cond evt="onNext" delay="0">
-                  <p:tgtEl>
-                    <p:sldTgt/>
-                  </p:tgtEl>
-                </p:cond>
-              </p:nextCondLst>
-            </p:seq>
-          </p:childTnLst>
-        </p:cTn>
-      </p:par>
-    </p:tnLst>
-  </p:timing>
 </p:sld>
 </file>
 
@@ -9054,7 +9344,7 @@
           <a:p>
             <a:r>
               <a:rPr lang="en-GB" dirty="0"/>
-              <a:t>We introduced the basics of dealing with JSON</a:t>
+              <a:t>We focused primarily on interrogating JSON docs</a:t>
             </a:r>
           </a:p>
           <a:p>
@@ -9782,291 +10072,6 @@
               </a:rPr>
               <a:t>()</a:t>
             </a:r>
-          </a:p>
-        </p:txBody>
-      </p:sp>
-      <p:sp>
-        <p:nvSpPr>
-          <p:cNvPr id="25" name="Rectangle 24">
-            <a:extLst>
-              <a:ext uri="{FF2B5EF4-FFF2-40B4-BE49-F238E27FC236}">
-                <a16:creationId xmlns:a16="http://schemas.microsoft.com/office/drawing/2014/main" id="{FA626E00-CCC1-4576-8FFC-228972DF6B49}"/>
-              </a:ext>
-            </a:extLst>
-          </p:cNvPr>
-          <p:cNvSpPr/>
-          <p:nvPr/>
-        </p:nvSpPr>
-        <p:spPr>
-          <a:xfrm>
-            <a:off x="372533" y="3428999"/>
-            <a:ext cx="2647244" cy="575733"/>
-          </a:xfrm>
-          <a:prstGeom prst="rect">
-            <a:avLst/>
-          </a:prstGeom>
-          <a:solidFill>
-            <a:schemeClr val="bg1"/>
-          </a:solidFill>
-          <a:ln>
-            <a:solidFill>
-              <a:schemeClr val="tx1"/>
-            </a:solidFill>
-          </a:ln>
-        </p:spPr>
-        <p:style>
-          <a:lnRef idx="2">
-            <a:schemeClr val="accent1">
-              <a:shade val="50000"/>
-            </a:schemeClr>
-          </a:lnRef>
-          <a:fillRef idx="1">
-            <a:schemeClr val="accent1"/>
-          </a:fillRef>
-          <a:effectRef idx="0">
-            <a:schemeClr val="accent1"/>
-          </a:effectRef>
-          <a:fontRef idx="minor">
-            <a:schemeClr val="lt1"/>
-          </a:fontRef>
-        </p:style>
-        <p:txBody>
-          <a:bodyPr rtlCol="0" anchor="ctr"/>
-          <a:lstStyle/>
-          <a:p>
-            <a:pPr algn="ctr"/>
-            <a:r>
-              <a:rPr lang="en-GB" dirty="0">
-                <a:solidFill>
-                  <a:schemeClr val="tx1"/>
-                </a:solidFill>
-              </a:rPr>
-              <a:t>Student</a:t>
-            </a:r>
-          </a:p>
-        </p:txBody>
-      </p:sp>
-      <p:sp>
-        <p:nvSpPr>
-          <p:cNvPr id="26" name="Rectangle 25">
-            <a:extLst>
-              <a:ext uri="{FF2B5EF4-FFF2-40B4-BE49-F238E27FC236}">
-                <a16:creationId xmlns:a16="http://schemas.microsoft.com/office/drawing/2014/main" id="{C45FD9D5-4961-4339-9A26-05B6636AAD82}"/>
-              </a:ext>
-            </a:extLst>
-          </p:cNvPr>
-          <p:cNvSpPr/>
-          <p:nvPr/>
-        </p:nvSpPr>
-        <p:spPr>
-          <a:xfrm>
-            <a:off x="372533" y="4016021"/>
-            <a:ext cx="2647244" cy="1042206"/>
-          </a:xfrm>
-          <a:prstGeom prst="rect">
-            <a:avLst/>
-          </a:prstGeom>
-          <a:solidFill>
-            <a:schemeClr val="bg1"/>
-          </a:solidFill>
-          <a:ln>
-            <a:solidFill>
-              <a:schemeClr val="tx1"/>
-            </a:solidFill>
-          </a:ln>
-        </p:spPr>
-        <p:style>
-          <a:lnRef idx="2">
-            <a:schemeClr val="accent1">
-              <a:shade val="50000"/>
-            </a:schemeClr>
-          </a:lnRef>
-          <a:fillRef idx="1">
-            <a:schemeClr val="accent1"/>
-          </a:fillRef>
-          <a:effectRef idx="0">
-            <a:schemeClr val="accent1"/>
-          </a:effectRef>
-          <a:fontRef idx="minor">
-            <a:schemeClr val="lt1"/>
-          </a:fontRef>
-        </p:style>
-        <p:txBody>
-          <a:bodyPr rtlCol="0" anchor="ctr"/>
-          <a:lstStyle/>
-          <a:p>
-            <a:pPr algn="ctr"/>
-            <a:r>
-              <a:rPr lang="en-GB" dirty="0">
-                <a:solidFill>
-                  <a:schemeClr val="tx1"/>
-                </a:solidFill>
-              </a:rPr>
-              <a:t>String: name</a:t>
-            </a:r>
-          </a:p>
-          <a:p>
-            <a:pPr algn="ctr"/>
-            <a:r>
-              <a:rPr lang="en-GB" dirty="0">
-                <a:solidFill>
-                  <a:schemeClr val="tx1"/>
-                </a:solidFill>
-              </a:rPr>
-              <a:t>int: pay</a:t>
-            </a:r>
-          </a:p>
-          <a:p>
-            <a:pPr algn="ctr"/>
-            <a:r>
-              <a:rPr lang="en-GB" dirty="0">
-                <a:solidFill>
-                  <a:schemeClr val="tx1"/>
-                </a:solidFill>
-              </a:rPr>
-              <a:t>int </a:t>
-            </a:r>
-            <a:r>
-              <a:rPr lang="en-GB" dirty="0" err="1">
-                <a:solidFill>
-                  <a:schemeClr val="tx1"/>
-                </a:solidFill>
-              </a:rPr>
-              <a:t>ucardNumber</a:t>
-            </a:r>
-            <a:endParaRPr lang="en-GB" dirty="0">
-              <a:solidFill>
-                <a:schemeClr val="tx1"/>
-              </a:solidFill>
-            </a:endParaRPr>
-          </a:p>
-        </p:txBody>
-      </p:sp>
-      <p:sp>
-        <p:nvSpPr>
-          <p:cNvPr id="27" name="Rectangle 26">
-            <a:extLst>
-              <a:ext uri="{FF2B5EF4-FFF2-40B4-BE49-F238E27FC236}">
-                <a16:creationId xmlns:a16="http://schemas.microsoft.com/office/drawing/2014/main" id="{6424C481-EB3F-4D74-AC8F-1D3CAD29C1DA}"/>
-              </a:ext>
-            </a:extLst>
-          </p:cNvPr>
-          <p:cNvSpPr/>
-          <p:nvPr/>
-        </p:nvSpPr>
-        <p:spPr>
-          <a:xfrm>
-            <a:off x="369932" y="5065447"/>
-            <a:ext cx="2647244" cy="1042206"/>
-          </a:xfrm>
-          <a:prstGeom prst="rect">
-            <a:avLst/>
-          </a:prstGeom>
-          <a:solidFill>
-            <a:schemeClr val="bg1"/>
-          </a:solidFill>
-          <a:ln>
-            <a:solidFill>
-              <a:schemeClr val="tx1"/>
-            </a:solidFill>
-          </a:ln>
-        </p:spPr>
-        <p:style>
-          <a:lnRef idx="2">
-            <a:schemeClr val="accent1">
-              <a:shade val="50000"/>
-            </a:schemeClr>
-          </a:lnRef>
-          <a:fillRef idx="1">
-            <a:schemeClr val="accent1"/>
-          </a:fillRef>
-          <a:effectRef idx="0">
-            <a:schemeClr val="accent1"/>
-          </a:effectRef>
-          <a:fontRef idx="minor">
-            <a:schemeClr val="lt1"/>
-          </a:fontRef>
-        </p:style>
-        <p:txBody>
-          <a:bodyPr rtlCol="0" anchor="ctr"/>
-          <a:lstStyle/>
-          <a:p>
-            <a:pPr algn="ctr"/>
-            <a:r>
-              <a:rPr lang="en-GB" dirty="0">
-                <a:solidFill>
-                  <a:schemeClr val="tx1"/>
-                </a:solidFill>
-              </a:rPr>
-              <a:t>set/</a:t>
-            </a:r>
-            <a:r>
-              <a:rPr lang="en-GB" dirty="0" err="1">
-                <a:solidFill>
-                  <a:schemeClr val="tx1"/>
-                </a:solidFill>
-              </a:rPr>
-              <a:t>getName</a:t>
-            </a:r>
-            <a:r>
-              <a:rPr lang="en-GB" dirty="0">
-                <a:solidFill>
-                  <a:schemeClr val="tx1"/>
-                </a:solidFill>
-              </a:rPr>
-              <a:t>()</a:t>
-            </a:r>
-          </a:p>
-          <a:p>
-            <a:pPr algn="ctr"/>
-            <a:r>
-              <a:rPr lang="en-GB" dirty="0">
-                <a:solidFill>
-                  <a:schemeClr val="tx1"/>
-                </a:solidFill>
-              </a:rPr>
-              <a:t>set/</a:t>
-            </a:r>
-            <a:r>
-              <a:rPr lang="en-GB" dirty="0" err="1">
-                <a:solidFill>
-                  <a:schemeClr val="tx1"/>
-                </a:solidFill>
-              </a:rPr>
-              <a:t>getPay</a:t>
-            </a:r>
-            <a:r>
-              <a:rPr lang="en-GB" dirty="0">
-                <a:solidFill>
-                  <a:schemeClr val="tx1"/>
-                </a:solidFill>
-              </a:rPr>
-              <a:t>()</a:t>
-            </a:r>
-          </a:p>
-          <a:p>
-            <a:pPr algn="ctr"/>
-            <a:r>
-              <a:rPr lang="en-GB" dirty="0">
-                <a:solidFill>
-                  <a:schemeClr val="tx1"/>
-                </a:solidFill>
-              </a:rPr>
-              <a:t>set/</a:t>
-            </a:r>
-            <a:r>
-              <a:rPr lang="en-GB" dirty="0" err="1">
-                <a:solidFill>
-                  <a:schemeClr val="tx1"/>
-                </a:solidFill>
-              </a:rPr>
-              <a:t>getUcardNumber</a:t>
-            </a:r>
-            <a:endParaRPr lang="en-GB" dirty="0">
-              <a:solidFill>
-                <a:schemeClr val="tx1"/>
-              </a:solidFill>
-            </a:endParaRPr>
           </a:p>
         </p:txBody>
       </p:sp>
@@ -10132,9 +10137,9 @@
           <p:nvPr/>
         </p:nvCxnSpPr>
         <p:spPr>
-          <a:xfrm flipH="1" flipV="1">
-            <a:off x="3649294" y="4536846"/>
-            <a:ext cx="2218812" cy="1"/>
+          <a:xfrm flipH="1">
+            <a:off x="3816452" y="4536847"/>
+            <a:ext cx="2051654" cy="0"/>
           </a:xfrm>
           <a:prstGeom prst="line">
             <a:avLst/>
@@ -10174,7 +10179,7 @@
         </p:nvSpPr>
         <p:spPr>
           <a:xfrm>
-            <a:off x="2964662" y="4397235"/>
+            <a:off x="3131820" y="4397236"/>
             <a:ext cx="684632" cy="279222"/>
           </a:xfrm>
           <a:prstGeom prst="flowChartDecision">
@@ -10267,7 +10272,7 @@
         </p:nvSpPr>
         <p:spPr>
           <a:xfrm>
-            <a:off x="3594178" y="4215418"/>
+            <a:off x="3708478" y="4215418"/>
             <a:ext cx="336952" cy="523220"/>
           </a:xfrm>
           <a:prstGeom prst="rect">
@@ -10558,6 +10563,294 @@
           <a:p>
             <a:pPr algn="ctr"/>
             <a:endParaRPr lang="en-GB"/>
+          </a:p>
+        </p:txBody>
+      </p:sp>
+      <p:sp>
+        <p:nvSpPr>
+          <p:cNvPr id="28" name="Rectangle 27">
+            <a:extLst>
+              <a:ext uri="{FF2B5EF4-FFF2-40B4-BE49-F238E27FC236}">
+                <a16:creationId xmlns:a16="http://schemas.microsoft.com/office/drawing/2014/main" id="{CC455752-1454-43B7-85AA-EEC8256F2652}"/>
+              </a:ext>
+            </a:extLst>
+          </p:cNvPr>
+          <p:cNvSpPr/>
+          <p:nvPr/>
+        </p:nvSpPr>
+        <p:spPr>
+          <a:xfrm>
+            <a:off x="372533" y="3428999"/>
+            <a:ext cx="2761888" cy="575733"/>
+          </a:xfrm>
+          <a:prstGeom prst="rect">
+            <a:avLst/>
+          </a:prstGeom>
+          <a:solidFill>
+            <a:schemeClr val="bg1"/>
+          </a:solidFill>
+          <a:ln>
+            <a:solidFill>
+              <a:schemeClr val="tx1"/>
+            </a:solidFill>
+          </a:ln>
+        </p:spPr>
+        <p:style>
+          <a:lnRef idx="2">
+            <a:schemeClr val="accent1">
+              <a:shade val="50000"/>
+            </a:schemeClr>
+          </a:lnRef>
+          <a:fillRef idx="1">
+            <a:schemeClr val="accent1"/>
+          </a:fillRef>
+          <a:effectRef idx="0">
+            <a:schemeClr val="accent1"/>
+          </a:effectRef>
+          <a:fontRef idx="minor">
+            <a:schemeClr val="lt1"/>
+          </a:fontRef>
+        </p:style>
+        <p:txBody>
+          <a:bodyPr rtlCol="0" anchor="ctr"/>
+          <a:lstStyle/>
+          <a:p>
+            <a:pPr algn="ctr"/>
+            <a:r>
+              <a:rPr lang="en-GB" dirty="0">
+                <a:solidFill>
+                  <a:schemeClr val="tx1"/>
+                </a:solidFill>
+              </a:rPr>
+              <a:t>Student</a:t>
+            </a:r>
+          </a:p>
+        </p:txBody>
+      </p:sp>
+      <p:sp>
+        <p:nvSpPr>
+          <p:cNvPr id="29" name="Rectangle 28">
+            <a:extLst>
+              <a:ext uri="{FF2B5EF4-FFF2-40B4-BE49-F238E27FC236}">
+                <a16:creationId xmlns:a16="http://schemas.microsoft.com/office/drawing/2014/main" id="{EF7ADE80-FF5A-4C76-852B-77B9B2F6F787}"/>
+              </a:ext>
+            </a:extLst>
+          </p:cNvPr>
+          <p:cNvSpPr/>
+          <p:nvPr/>
+        </p:nvSpPr>
+        <p:spPr>
+          <a:xfrm>
+            <a:off x="372533" y="4016021"/>
+            <a:ext cx="2761888" cy="1042206"/>
+          </a:xfrm>
+          <a:prstGeom prst="rect">
+            <a:avLst/>
+          </a:prstGeom>
+          <a:solidFill>
+            <a:schemeClr val="bg1"/>
+          </a:solidFill>
+          <a:ln>
+            <a:solidFill>
+              <a:schemeClr val="tx1"/>
+            </a:solidFill>
+          </a:ln>
+        </p:spPr>
+        <p:style>
+          <a:lnRef idx="2">
+            <a:schemeClr val="accent1">
+              <a:shade val="50000"/>
+            </a:schemeClr>
+          </a:lnRef>
+          <a:fillRef idx="1">
+            <a:schemeClr val="accent1"/>
+          </a:fillRef>
+          <a:effectRef idx="0">
+            <a:schemeClr val="accent1"/>
+          </a:effectRef>
+          <a:fontRef idx="minor">
+            <a:schemeClr val="lt1"/>
+          </a:fontRef>
+        </p:style>
+        <p:txBody>
+          <a:bodyPr rtlCol="0" anchor="ctr"/>
+          <a:lstStyle/>
+          <a:p>
+            <a:pPr algn="ctr"/>
+            <a:r>
+              <a:rPr lang="en-GB" dirty="0">
+                <a:solidFill>
+                  <a:schemeClr val="tx1"/>
+                </a:solidFill>
+              </a:rPr>
+              <a:t>String: name</a:t>
+            </a:r>
+          </a:p>
+          <a:p>
+            <a:pPr algn="ctr"/>
+            <a:r>
+              <a:rPr lang="en-GB" dirty="0">
+                <a:solidFill>
+                  <a:schemeClr val="tx1"/>
+                </a:solidFill>
+              </a:rPr>
+              <a:t>int: pay</a:t>
+            </a:r>
+          </a:p>
+          <a:p>
+            <a:pPr algn="ctr"/>
+            <a:r>
+              <a:rPr lang="en-GB" dirty="0">
+                <a:solidFill>
+                  <a:schemeClr val="tx1"/>
+                </a:solidFill>
+              </a:rPr>
+              <a:t>int </a:t>
+            </a:r>
+            <a:r>
+              <a:rPr lang="en-GB" dirty="0" err="1">
+                <a:solidFill>
+                  <a:schemeClr val="tx1"/>
+                </a:solidFill>
+              </a:rPr>
+              <a:t>ucardNumber</a:t>
+            </a:r>
+            <a:endParaRPr lang="en-GB" dirty="0">
+              <a:solidFill>
+                <a:schemeClr val="tx1"/>
+              </a:solidFill>
+            </a:endParaRPr>
+          </a:p>
+        </p:txBody>
+      </p:sp>
+      <p:sp>
+        <p:nvSpPr>
+          <p:cNvPr id="35" name="Rectangle 34">
+            <a:extLst>
+              <a:ext uri="{FF2B5EF4-FFF2-40B4-BE49-F238E27FC236}">
+                <a16:creationId xmlns:a16="http://schemas.microsoft.com/office/drawing/2014/main" id="{E7E1F064-3829-4355-AF96-8D7A345CED6B}"/>
+              </a:ext>
+            </a:extLst>
+          </p:cNvPr>
+          <p:cNvSpPr/>
+          <p:nvPr/>
+        </p:nvSpPr>
+        <p:spPr>
+          <a:xfrm>
+            <a:off x="369932" y="5065447"/>
+            <a:ext cx="2761888" cy="1042206"/>
+          </a:xfrm>
+          <a:prstGeom prst="rect">
+            <a:avLst/>
+          </a:prstGeom>
+          <a:solidFill>
+            <a:schemeClr val="bg1"/>
+          </a:solidFill>
+          <a:ln>
+            <a:solidFill>
+              <a:schemeClr val="tx1"/>
+            </a:solidFill>
+          </a:ln>
+        </p:spPr>
+        <p:style>
+          <a:lnRef idx="2">
+            <a:schemeClr val="accent1">
+              <a:shade val="50000"/>
+            </a:schemeClr>
+          </a:lnRef>
+          <a:fillRef idx="1">
+            <a:schemeClr val="accent1"/>
+          </a:fillRef>
+          <a:effectRef idx="0">
+            <a:schemeClr val="accent1"/>
+          </a:effectRef>
+          <a:fontRef idx="minor">
+            <a:schemeClr val="lt1"/>
+          </a:fontRef>
+        </p:style>
+        <p:txBody>
+          <a:bodyPr rtlCol="0" anchor="ctr"/>
+          <a:lstStyle/>
+          <a:p>
+            <a:pPr algn="ctr"/>
+            <a:r>
+              <a:rPr lang="en-GB" dirty="0">
+                <a:solidFill>
+                  <a:schemeClr val="tx1"/>
+                </a:solidFill>
+              </a:rPr>
+              <a:t>set/</a:t>
+            </a:r>
+            <a:r>
+              <a:rPr lang="en-GB" dirty="0" err="1">
+                <a:solidFill>
+                  <a:schemeClr val="tx1"/>
+                </a:solidFill>
+              </a:rPr>
+              <a:t>getName</a:t>
+            </a:r>
+            <a:r>
+              <a:rPr lang="en-GB" dirty="0">
+                <a:solidFill>
+                  <a:schemeClr val="tx1"/>
+                </a:solidFill>
+              </a:rPr>
+              <a:t>()</a:t>
+            </a:r>
+          </a:p>
+          <a:p>
+            <a:pPr algn="ctr"/>
+            <a:r>
+              <a:rPr lang="en-GB" dirty="0">
+                <a:solidFill>
+                  <a:schemeClr val="tx1"/>
+                </a:solidFill>
+              </a:rPr>
+              <a:t>set/</a:t>
+            </a:r>
+            <a:r>
+              <a:rPr lang="en-GB" dirty="0" err="1">
+                <a:solidFill>
+                  <a:schemeClr val="tx1"/>
+                </a:solidFill>
+              </a:rPr>
+              <a:t>getPay</a:t>
+            </a:r>
+            <a:r>
+              <a:rPr lang="en-GB" dirty="0">
+                <a:solidFill>
+                  <a:schemeClr val="tx1"/>
+                </a:solidFill>
+              </a:rPr>
+              <a:t>()</a:t>
+            </a:r>
+          </a:p>
+          <a:p>
+            <a:pPr algn="ctr"/>
+            <a:r>
+              <a:rPr lang="en-GB" dirty="0">
+                <a:solidFill>
+                  <a:schemeClr val="tx1"/>
+                </a:solidFill>
+              </a:rPr>
+              <a:t>set/</a:t>
+            </a:r>
+            <a:r>
+              <a:rPr lang="en-GB" dirty="0" err="1">
+                <a:solidFill>
+                  <a:schemeClr val="tx1"/>
+                </a:solidFill>
+              </a:rPr>
+              <a:t>getUcardNumber</a:t>
+            </a:r>
+            <a:r>
+              <a:rPr lang="en-GB" dirty="0">
+                <a:solidFill>
+                  <a:schemeClr val="tx1"/>
+                </a:solidFill>
+              </a:rPr>
+              <a:t>()</a:t>
+            </a:r>
           </a:p>
         </p:txBody>
       </p:sp>
@@ -12112,199 +12405,6 @@
           </a:p>
         </p:txBody>
       </p:sp>
-      <p:sp>
-        <p:nvSpPr>
-          <p:cNvPr id="2" name="Title 1">
-            <a:extLst>
-              <a:ext uri="{FF2B5EF4-FFF2-40B4-BE49-F238E27FC236}">
-                <a16:creationId xmlns:a16="http://schemas.microsoft.com/office/drawing/2014/main" id="{7D6CD52E-353C-452D-ACE1-BB98759D62C8}"/>
-              </a:ext>
-            </a:extLst>
-          </p:cNvPr>
-          <p:cNvSpPr>
-            <a:spLocks noGrp="1"/>
-          </p:cNvSpPr>
-          <p:nvPr>
-            <p:ph type="title"/>
-          </p:nvPr>
-        </p:nvSpPr>
-        <p:spPr/>
-        <p:txBody>
-          <a:bodyPr/>
-          <a:lstStyle/>
-          <a:p>
-            <a:r>
-              <a:rPr lang="en-GB" dirty="0"/>
-              <a:t>Updated request handler</a:t>
-            </a:r>
-          </a:p>
-        </p:txBody>
-      </p:sp>
-      <p:pic>
-        <p:nvPicPr>
-          <p:cNvPr id="6" name="Picture 5">
-            <a:extLst>
-              <a:ext uri="{FF2B5EF4-FFF2-40B4-BE49-F238E27FC236}">
-                <a16:creationId xmlns:a16="http://schemas.microsoft.com/office/drawing/2014/main" id="{2E0AB150-94A8-4883-BCB1-F1DA8AF2A973}"/>
-              </a:ext>
-            </a:extLst>
-          </p:cNvPr>
-          <p:cNvPicPr>
-            <a:picLocks noChangeAspect="1"/>
-          </p:cNvPicPr>
-          <p:nvPr/>
-        </p:nvPicPr>
-        <p:blipFill rotWithShape="1">
-          <a:blip r:embed="rId2"/>
-          <a:srcRect r="4500"/>
-          <a:stretch/>
-        </p:blipFill>
-        <p:spPr>
-          <a:xfrm>
-            <a:off x="0" y="2394082"/>
-            <a:ext cx="8992938" cy="3732398"/>
-          </a:xfrm>
-          <a:prstGeom prst="rect">
-            <a:avLst/>
-          </a:prstGeom>
-        </p:spPr>
-      </p:pic>
-      <p:sp>
-        <p:nvSpPr>
-          <p:cNvPr id="7" name="Rectangle: Rounded Corners 6">
-            <a:extLst>
-              <a:ext uri="{FF2B5EF4-FFF2-40B4-BE49-F238E27FC236}">
-                <a16:creationId xmlns:a16="http://schemas.microsoft.com/office/drawing/2014/main" id="{7ACF7477-D1D8-47D4-A2B9-61CB5BA7ED79}"/>
-              </a:ext>
-            </a:extLst>
-          </p:cNvPr>
-          <p:cNvSpPr/>
-          <p:nvPr/>
-        </p:nvSpPr>
-        <p:spPr>
-          <a:xfrm>
-            <a:off x="5394960" y="3714750"/>
-            <a:ext cx="1508760" cy="297180"/>
-          </a:xfrm>
-          <a:prstGeom prst="roundRect">
-            <a:avLst/>
-          </a:prstGeom>
-          <a:noFill/>
-          <a:ln w="57150">
-            <a:solidFill>
-              <a:srgbClr val="FF0000"/>
-            </a:solidFill>
-          </a:ln>
-        </p:spPr>
-        <p:style>
-          <a:lnRef idx="2">
-            <a:schemeClr val="accent1">
-              <a:shade val="50000"/>
-            </a:schemeClr>
-          </a:lnRef>
-          <a:fillRef idx="1">
-            <a:schemeClr val="accent1"/>
-          </a:fillRef>
-          <a:effectRef idx="0">
-            <a:schemeClr val="accent1"/>
-          </a:effectRef>
-          <a:fontRef idx="minor">
-            <a:schemeClr val="lt1"/>
-          </a:fontRef>
-        </p:style>
-        <p:txBody>
-          <a:bodyPr rtlCol="0" anchor="ctr"/>
-          <a:lstStyle/>
-          <a:p>
-            <a:pPr algn="ctr"/>
-            <a:endParaRPr lang="en-GB"/>
-          </a:p>
-        </p:txBody>
-      </p:sp>
-    </p:spTree>
-    <p:extLst>
-      <p:ext uri="{BB962C8B-B14F-4D97-AF65-F5344CB8AC3E}">
-        <p14:creationId xmlns:p14="http://schemas.microsoft.com/office/powerpoint/2010/main" val="3148552666"/>
-      </p:ext>
-    </p:extLst>
-  </p:cSld>
-  <p:clrMapOvr>
-    <a:masterClrMapping/>
-  </p:clrMapOvr>
-</p:sld>
-</file>
-
-<file path=ppt/slides/slide5.xml><?xml version="1.0" encoding="utf-8"?>
-<p:sld xmlns:a="http://schemas.openxmlformats.org/drawingml/2006/main" xmlns:r="http://schemas.openxmlformats.org/officeDocument/2006/relationships" xmlns:p="http://schemas.openxmlformats.org/presentationml/2006/main">
-  <p:cSld>
-    <p:spTree>
-      <p:nvGrpSpPr>
-        <p:cNvPr id="1" name=""/>
-        <p:cNvGrpSpPr/>
-        <p:nvPr/>
-      </p:nvGrpSpPr>
-      <p:grpSpPr>
-        <a:xfrm>
-          <a:off x="0" y="0"/>
-          <a:ext cx="0" cy="0"/>
-          <a:chOff x="0" y="0"/>
-          <a:chExt cx="0" cy="0"/>
-        </a:xfrm>
-      </p:grpSpPr>
-      <p:sp>
-        <p:nvSpPr>
-          <p:cNvPr id="5" name="Rectangle 4">
-            <a:extLst>
-              <a:ext uri="{FF2B5EF4-FFF2-40B4-BE49-F238E27FC236}">
-                <a16:creationId xmlns:a16="http://schemas.microsoft.com/office/drawing/2014/main" id="{16808FB8-7548-498A-AB52-A40E6034D3C1}"/>
-              </a:ext>
-            </a:extLst>
-          </p:cNvPr>
-          <p:cNvSpPr/>
-          <p:nvPr/>
-        </p:nvSpPr>
-        <p:spPr>
-          <a:xfrm>
-            <a:off x="0" y="1701977"/>
-            <a:ext cx="9144000" cy="5167311"/>
-          </a:xfrm>
-          <a:prstGeom prst="rect">
-            <a:avLst/>
-          </a:prstGeom>
-          <a:solidFill>
-            <a:srgbClr val="F8F8F8"/>
-          </a:solidFill>
-          <a:ln>
-            <a:solidFill>
-              <a:srgbClr val="F8F8F8"/>
-            </a:solidFill>
-          </a:ln>
-        </p:spPr>
-        <p:style>
-          <a:lnRef idx="2">
-            <a:schemeClr val="accent1">
-              <a:shade val="50000"/>
-            </a:schemeClr>
-          </a:lnRef>
-          <a:fillRef idx="1">
-            <a:schemeClr val="accent1"/>
-          </a:fillRef>
-          <a:effectRef idx="0">
-            <a:schemeClr val="accent1"/>
-          </a:effectRef>
-          <a:fontRef idx="minor">
-            <a:schemeClr val="lt1"/>
-          </a:fontRef>
-        </p:style>
-        <p:txBody>
-          <a:bodyPr rtlCol="0" anchor="ctr"/>
-          <a:lstStyle/>
-          <a:p>
-            <a:pPr algn="ctr"/>
-            <a:endParaRPr lang="en-GB"/>
-          </a:p>
-        </p:txBody>
-      </p:sp>
       <p:pic>
         <p:nvPicPr>
           <p:cNvPr id="4" name="Picture 3">
@@ -12423,7 +12523,7 @@
 </p:sld>
 </file>
 
-<file path=ppt/slides/slide6.xml><?xml version="1.0" encoding="utf-8"?>
+<file path=ppt/slides/slide5.xml><?xml version="1.0" encoding="utf-8"?>
 <p:sld xmlns:a="http://schemas.openxmlformats.org/drawingml/2006/main" xmlns:r="http://schemas.openxmlformats.org/officeDocument/2006/relationships" xmlns:p="http://schemas.openxmlformats.org/presentationml/2006/main">
   <p:cSld>
     <p:spTree>
@@ -12574,7 +12674,7 @@
 </p:sld>
 </file>
 
-<file path=ppt/slides/slide7.xml><?xml version="1.0" encoding="utf-8"?>
+<file path=ppt/slides/slide6.xml><?xml version="1.0" encoding="utf-8"?>
 <p:sld xmlns:a="http://schemas.openxmlformats.org/drawingml/2006/main" xmlns:r="http://schemas.openxmlformats.org/officeDocument/2006/relationships" xmlns:p="http://schemas.openxmlformats.org/presentationml/2006/main">
   <p:cSld>
     <p:spTree>
@@ -12880,7 +12980,7 @@
           <a:lstStyle/>
           <a:p>
             <a:pPr algn="ctr"/>
-            <a:endParaRPr lang="en-GB"/>
+            <a:endParaRPr lang="en-GB" dirty="0"/>
           </a:p>
         </p:txBody>
       </p:sp>
@@ -13037,6 +13137,617 @@
 </p:sld>
 </file>
 
+<file path=ppt/slides/slide7.xml><?xml version="1.0" encoding="utf-8"?>
+<p:sld xmlns:a="http://schemas.openxmlformats.org/drawingml/2006/main" xmlns:r="http://schemas.openxmlformats.org/officeDocument/2006/relationships" xmlns:p="http://schemas.openxmlformats.org/presentationml/2006/main">
+  <p:cSld>
+    <p:spTree>
+      <p:nvGrpSpPr>
+        <p:cNvPr id="1" name=""/>
+        <p:cNvGrpSpPr/>
+        <p:nvPr/>
+      </p:nvGrpSpPr>
+      <p:grpSpPr>
+        <a:xfrm>
+          <a:off x="0" y="0"/>
+          <a:ext cx="0" cy="0"/>
+          <a:chOff x="0" y="0"/>
+          <a:chExt cx="0" cy="0"/>
+        </a:xfrm>
+      </p:grpSpPr>
+      <p:sp>
+        <p:nvSpPr>
+          <p:cNvPr id="5" name="Rectangle 4">
+            <a:extLst>
+              <a:ext uri="{FF2B5EF4-FFF2-40B4-BE49-F238E27FC236}">
+                <a16:creationId xmlns:a16="http://schemas.microsoft.com/office/drawing/2014/main" id="{16808FB8-7548-498A-AB52-A40E6034D3C1}"/>
+              </a:ext>
+            </a:extLst>
+          </p:cNvPr>
+          <p:cNvSpPr/>
+          <p:nvPr/>
+        </p:nvSpPr>
+        <p:spPr>
+          <a:xfrm>
+            <a:off x="0" y="1701977"/>
+            <a:ext cx="9144000" cy="5167311"/>
+          </a:xfrm>
+          <a:prstGeom prst="rect">
+            <a:avLst/>
+          </a:prstGeom>
+          <a:solidFill>
+            <a:srgbClr val="F8F8F8"/>
+          </a:solidFill>
+          <a:ln>
+            <a:solidFill>
+              <a:srgbClr val="F8F8F8"/>
+            </a:solidFill>
+          </a:ln>
+        </p:spPr>
+        <p:style>
+          <a:lnRef idx="2">
+            <a:schemeClr val="accent1">
+              <a:shade val="50000"/>
+            </a:schemeClr>
+          </a:lnRef>
+          <a:fillRef idx="1">
+            <a:schemeClr val="accent1"/>
+          </a:fillRef>
+          <a:effectRef idx="0">
+            <a:schemeClr val="accent1"/>
+          </a:effectRef>
+          <a:fontRef idx="minor">
+            <a:schemeClr val="lt1"/>
+          </a:fontRef>
+        </p:style>
+        <p:txBody>
+          <a:bodyPr rtlCol="0" anchor="ctr"/>
+          <a:lstStyle/>
+          <a:p>
+            <a:pPr algn="ctr"/>
+            <a:endParaRPr lang="en-GB" dirty="0"/>
+          </a:p>
+        </p:txBody>
+      </p:sp>
+      <p:sp>
+        <p:nvSpPr>
+          <p:cNvPr id="2" name="Title 1">
+            <a:extLst>
+              <a:ext uri="{FF2B5EF4-FFF2-40B4-BE49-F238E27FC236}">
+                <a16:creationId xmlns:a16="http://schemas.microsoft.com/office/drawing/2014/main" id="{7D6CD52E-353C-452D-ACE1-BB98759D62C8}"/>
+              </a:ext>
+            </a:extLst>
+          </p:cNvPr>
+          <p:cNvSpPr>
+            <a:spLocks noGrp="1"/>
+          </p:cNvSpPr>
+          <p:nvPr>
+            <p:ph type="title"/>
+          </p:nvPr>
+        </p:nvSpPr>
+        <p:spPr/>
+        <p:txBody>
+          <a:bodyPr/>
+          <a:lstStyle/>
+          <a:p>
+            <a:r>
+              <a:rPr lang="en-GB" dirty="0"/>
+              <a:t>“Updated” request handler</a:t>
+            </a:r>
+          </a:p>
+        </p:txBody>
+      </p:sp>
+      <p:pic>
+        <p:nvPicPr>
+          <p:cNvPr id="6" name="Picture 5">
+            <a:extLst>
+              <a:ext uri="{FF2B5EF4-FFF2-40B4-BE49-F238E27FC236}">
+                <a16:creationId xmlns:a16="http://schemas.microsoft.com/office/drawing/2014/main" id="{2E0AB150-94A8-4883-BCB1-F1DA8AF2A973}"/>
+              </a:ext>
+            </a:extLst>
+          </p:cNvPr>
+          <p:cNvPicPr>
+            <a:picLocks noChangeAspect="1"/>
+          </p:cNvPicPr>
+          <p:nvPr/>
+        </p:nvPicPr>
+        <p:blipFill rotWithShape="1">
+          <a:blip r:embed="rId2"/>
+          <a:srcRect r="4500"/>
+          <a:stretch/>
+        </p:blipFill>
+        <p:spPr>
+          <a:xfrm>
+            <a:off x="0" y="2394082"/>
+            <a:ext cx="8992938" cy="3732398"/>
+          </a:xfrm>
+          <a:prstGeom prst="rect">
+            <a:avLst/>
+          </a:prstGeom>
+        </p:spPr>
+      </p:pic>
+      <p:sp>
+        <p:nvSpPr>
+          <p:cNvPr id="7" name="Rectangle: Rounded Corners 6">
+            <a:extLst>
+              <a:ext uri="{FF2B5EF4-FFF2-40B4-BE49-F238E27FC236}">
+                <a16:creationId xmlns:a16="http://schemas.microsoft.com/office/drawing/2014/main" id="{7ACF7477-D1D8-47D4-A2B9-61CB5BA7ED79}"/>
+              </a:ext>
+            </a:extLst>
+          </p:cNvPr>
+          <p:cNvSpPr/>
+          <p:nvPr/>
+        </p:nvSpPr>
+        <p:spPr>
+          <a:xfrm>
+            <a:off x="5394960" y="3714750"/>
+            <a:ext cx="1508760" cy="297180"/>
+          </a:xfrm>
+          <a:prstGeom prst="roundRect">
+            <a:avLst/>
+          </a:prstGeom>
+          <a:noFill/>
+          <a:ln w="57150">
+            <a:solidFill>
+              <a:srgbClr val="FF0000"/>
+            </a:solidFill>
+          </a:ln>
+        </p:spPr>
+        <p:style>
+          <a:lnRef idx="2">
+            <a:schemeClr val="accent1">
+              <a:shade val="50000"/>
+            </a:schemeClr>
+          </a:lnRef>
+          <a:fillRef idx="1">
+            <a:schemeClr val="accent1"/>
+          </a:fillRef>
+          <a:effectRef idx="0">
+            <a:schemeClr val="accent1"/>
+          </a:effectRef>
+          <a:fontRef idx="minor">
+            <a:schemeClr val="lt1"/>
+          </a:fontRef>
+        </p:style>
+        <p:txBody>
+          <a:bodyPr rtlCol="0" anchor="ctr"/>
+          <a:lstStyle/>
+          <a:p>
+            <a:pPr algn="ctr"/>
+            <a:endParaRPr lang="en-GB"/>
+          </a:p>
+        </p:txBody>
+      </p:sp>
+      <p:sp>
+        <p:nvSpPr>
+          <p:cNvPr id="3" name="TextBox 2">
+            <a:extLst>
+              <a:ext uri="{FF2B5EF4-FFF2-40B4-BE49-F238E27FC236}">
+                <a16:creationId xmlns:a16="http://schemas.microsoft.com/office/drawing/2014/main" id="{13AB53AC-10B7-469A-B089-F67EFD423759}"/>
+              </a:ext>
+            </a:extLst>
+          </p:cNvPr>
+          <p:cNvSpPr txBox="1"/>
+          <p:nvPr/>
+        </p:nvSpPr>
+        <p:spPr>
+          <a:xfrm>
+            <a:off x="1145077" y="6292819"/>
+            <a:ext cx="7104830" cy="400110"/>
+          </a:xfrm>
+          <a:prstGeom prst="rect">
+            <a:avLst/>
+          </a:prstGeom>
+          <a:noFill/>
+        </p:spPr>
+        <p:txBody>
+          <a:bodyPr wrap="none" rtlCol="0">
+            <a:spAutoFit/>
+          </a:bodyPr>
+          <a:lstStyle/>
+          <a:p>
+            <a:r>
+              <a:rPr lang="en-GB" sz="2000" dirty="0"/>
+              <a:t>curl http://127.0.0.1:8080/howManyWorkPackages?id=4</a:t>
+            </a:r>
+          </a:p>
+        </p:txBody>
+      </p:sp>
+    </p:spTree>
+    <p:extLst>
+      <p:ext uri="{BB962C8B-B14F-4D97-AF65-F5344CB8AC3E}">
+        <p14:creationId xmlns:p14="http://schemas.microsoft.com/office/powerpoint/2010/main" val="3148552666"/>
+      </p:ext>
+    </p:extLst>
+  </p:cSld>
+  <p:clrMapOvr>
+    <a:masterClrMapping/>
+  </p:clrMapOvr>
+  <p:timing>
+    <p:tnLst>
+      <p:par>
+        <p:cTn id="1" dur="indefinite" restart="never" nodeType="tmRoot">
+          <p:childTnLst>
+            <p:seq concurrent="1" nextAc="seek">
+              <p:cTn id="2" dur="indefinite" nodeType="mainSeq">
+                <p:childTnLst>
+                  <p:par>
+                    <p:cTn id="3" fill="hold">
+                      <p:stCondLst>
+                        <p:cond delay="indefinite"/>
+                      </p:stCondLst>
+                      <p:childTnLst>
+                        <p:par>
+                          <p:cTn id="4" fill="hold">
+                            <p:stCondLst>
+                              <p:cond delay="0"/>
+                            </p:stCondLst>
+                            <p:childTnLst>
+                              <p:par>
+                                <p:cTn id="5" presetID="26" presetClass="entr" presetSubtype="0" fill="hold" grpId="0" nodeType="clickEffect">
+                                  <p:stCondLst>
+                                    <p:cond delay="0"/>
+                                  </p:stCondLst>
+                                  <p:childTnLst>
+                                    <p:set>
+                                      <p:cBhvr>
+                                        <p:cTn id="6" dur="1" fill="hold">
+                                          <p:stCondLst>
+                                            <p:cond delay="0"/>
+                                          </p:stCondLst>
+                                        </p:cTn>
+                                        <p:tgtEl>
+                                          <p:spTgt spid="7"/>
+                                        </p:tgtEl>
+                                        <p:attrNameLst>
+                                          <p:attrName>style.visibility</p:attrName>
+                                        </p:attrNameLst>
+                                      </p:cBhvr>
+                                      <p:to>
+                                        <p:strVal val="visible"/>
+                                      </p:to>
+                                    </p:set>
+                                    <p:animEffect transition="in" filter="wipe(down)">
+                                      <p:cBhvr>
+                                        <p:cTn id="7" dur="580">
+                                          <p:stCondLst>
+                                            <p:cond delay="0"/>
+                                          </p:stCondLst>
+                                        </p:cTn>
+                                        <p:tgtEl>
+                                          <p:spTgt spid="7"/>
+                                        </p:tgtEl>
+                                      </p:cBhvr>
+                                    </p:animEffect>
+                                    <p:anim calcmode="lin" valueType="num">
+                                      <p:cBhvr>
+                                        <p:cTn id="8" dur="1822" tmFilter="0,0; 0.14,0.36; 0.43,0.73; 0.71,0.91; 1.0,1.0">
+                                          <p:stCondLst>
+                                            <p:cond delay="0"/>
+                                          </p:stCondLst>
+                                        </p:cTn>
+                                        <p:tgtEl>
+                                          <p:spTgt spid="7"/>
+                                        </p:tgtEl>
+                                        <p:attrNameLst>
+                                          <p:attrName>ppt_x</p:attrName>
+                                        </p:attrNameLst>
+                                      </p:cBhvr>
+                                      <p:tavLst>
+                                        <p:tav tm="0">
+                                          <p:val>
+                                            <p:strVal val="#ppt_x-0.25"/>
+                                          </p:val>
+                                        </p:tav>
+                                        <p:tav tm="100000">
+                                          <p:val>
+                                            <p:strVal val="#ppt_x"/>
+                                          </p:val>
+                                        </p:tav>
+                                      </p:tavLst>
+                                    </p:anim>
+                                    <p:anim calcmode="lin" valueType="num">
+                                      <p:cBhvr>
+                                        <p:cTn id="9" dur="664" tmFilter="0.0,0.0; 0.25,0.07; 0.50,0.2; 0.75,0.467; 1.0,1.0">
+                                          <p:stCondLst>
+                                            <p:cond delay="0"/>
+                                          </p:stCondLst>
+                                        </p:cTn>
+                                        <p:tgtEl>
+                                          <p:spTgt spid="7"/>
+                                        </p:tgtEl>
+                                        <p:attrNameLst>
+                                          <p:attrName>ppt_y</p:attrName>
+                                        </p:attrNameLst>
+                                      </p:cBhvr>
+                                      <p:tavLst>
+                                        <p:tav tm="0" fmla="#ppt_y-sin(pi*$)/3">
+                                          <p:val>
+                                            <p:fltVal val="0.5"/>
+                                          </p:val>
+                                        </p:tav>
+                                        <p:tav tm="100000">
+                                          <p:val>
+                                            <p:fltVal val="1"/>
+                                          </p:val>
+                                        </p:tav>
+                                      </p:tavLst>
+                                    </p:anim>
+                                    <p:anim calcmode="lin" valueType="num">
+                                      <p:cBhvr>
+                                        <p:cTn id="10" dur="664" tmFilter="0, 0; 0.125,0.2665; 0.25,0.4; 0.375,0.465; 0.5,0.5;  0.625,0.535; 0.75,0.6; 0.875,0.7335; 1,1">
+                                          <p:stCondLst>
+                                            <p:cond delay="664"/>
+                                          </p:stCondLst>
+                                        </p:cTn>
+                                        <p:tgtEl>
+                                          <p:spTgt spid="7"/>
+                                        </p:tgtEl>
+                                        <p:attrNameLst>
+                                          <p:attrName>ppt_y</p:attrName>
+                                        </p:attrNameLst>
+                                      </p:cBhvr>
+                                      <p:tavLst>
+                                        <p:tav tm="0" fmla="#ppt_y-sin(pi*$)/9">
+                                          <p:val>
+                                            <p:fltVal val="0"/>
+                                          </p:val>
+                                        </p:tav>
+                                        <p:tav tm="100000">
+                                          <p:val>
+                                            <p:fltVal val="1"/>
+                                          </p:val>
+                                        </p:tav>
+                                      </p:tavLst>
+                                    </p:anim>
+                                    <p:anim calcmode="lin" valueType="num">
+                                      <p:cBhvr>
+                                        <p:cTn id="11" dur="332" tmFilter="0, 0; 0.125,0.2665; 0.25,0.4; 0.375,0.465; 0.5,0.5;  0.625,0.535; 0.75,0.6; 0.875,0.7335; 1,1">
+                                          <p:stCondLst>
+                                            <p:cond delay="1324"/>
+                                          </p:stCondLst>
+                                        </p:cTn>
+                                        <p:tgtEl>
+                                          <p:spTgt spid="7"/>
+                                        </p:tgtEl>
+                                        <p:attrNameLst>
+                                          <p:attrName>ppt_y</p:attrName>
+                                        </p:attrNameLst>
+                                      </p:cBhvr>
+                                      <p:tavLst>
+                                        <p:tav tm="0" fmla="#ppt_y-sin(pi*$)/27">
+                                          <p:val>
+                                            <p:fltVal val="0"/>
+                                          </p:val>
+                                        </p:tav>
+                                        <p:tav tm="100000">
+                                          <p:val>
+                                            <p:fltVal val="1"/>
+                                          </p:val>
+                                        </p:tav>
+                                      </p:tavLst>
+                                    </p:anim>
+                                    <p:anim calcmode="lin" valueType="num">
+                                      <p:cBhvr>
+                                        <p:cTn id="12" dur="164" tmFilter="0, 0; 0.125,0.2665; 0.25,0.4; 0.375,0.465; 0.5,0.5;  0.625,0.535; 0.75,0.6; 0.875,0.7335; 1,1">
+                                          <p:stCondLst>
+                                            <p:cond delay="1656"/>
+                                          </p:stCondLst>
+                                        </p:cTn>
+                                        <p:tgtEl>
+                                          <p:spTgt spid="7"/>
+                                        </p:tgtEl>
+                                        <p:attrNameLst>
+                                          <p:attrName>ppt_y</p:attrName>
+                                        </p:attrNameLst>
+                                      </p:cBhvr>
+                                      <p:tavLst>
+                                        <p:tav tm="0" fmla="#ppt_y-sin(pi*$)/81">
+                                          <p:val>
+                                            <p:fltVal val="0"/>
+                                          </p:val>
+                                        </p:tav>
+                                        <p:tav tm="100000">
+                                          <p:val>
+                                            <p:fltVal val="1"/>
+                                          </p:val>
+                                        </p:tav>
+                                      </p:tavLst>
+                                    </p:anim>
+                                    <p:animScale>
+                                      <p:cBhvr>
+                                        <p:cTn id="13" dur="26">
+                                          <p:stCondLst>
+                                            <p:cond delay="650"/>
+                                          </p:stCondLst>
+                                        </p:cTn>
+                                        <p:tgtEl>
+                                          <p:spTgt spid="7"/>
+                                        </p:tgtEl>
+                                      </p:cBhvr>
+                                      <p:to x="100000" y="60000"/>
+                                    </p:animScale>
+                                    <p:animScale>
+                                      <p:cBhvr>
+                                        <p:cTn id="14" dur="166" decel="50000">
+                                          <p:stCondLst>
+                                            <p:cond delay="676"/>
+                                          </p:stCondLst>
+                                        </p:cTn>
+                                        <p:tgtEl>
+                                          <p:spTgt spid="7"/>
+                                        </p:tgtEl>
+                                      </p:cBhvr>
+                                      <p:to x="100000" y="100000"/>
+                                    </p:animScale>
+                                    <p:animScale>
+                                      <p:cBhvr>
+                                        <p:cTn id="15" dur="26">
+                                          <p:stCondLst>
+                                            <p:cond delay="1312"/>
+                                          </p:stCondLst>
+                                        </p:cTn>
+                                        <p:tgtEl>
+                                          <p:spTgt spid="7"/>
+                                        </p:tgtEl>
+                                      </p:cBhvr>
+                                      <p:to x="100000" y="80000"/>
+                                    </p:animScale>
+                                    <p:animScale>
+                                      <p:cBhvr>
+                                        <p:cTn id="16" dur="166" decel="50000">
+                                          <p:stCondLst>
+                                            <p:cond delay="1338"/>
+                                          </p:stCondLst>
+                                        </p:cTn>
+                                        <p:tgtEl>
+                                          <p:spTgt spid="7"/>
+                                        </p:tgtEl>
+                                      </p:cBhvr>
+                                      <p:to x="100000" y="100000"/>
+                                    </p:animScale>
+                                    <p:animScale>
+                                      <p:cBhvr>
+                                        <p:cTn id="17" dur="26">
+                                          <p:stCondLst>
+                                            <p:cond delay="1642"/>
+                                          </p:stCondLst>
+                                        </p:cTn>
+                                        <p:tgtEl>
+                                          <p:spTgt spid="7"/>
+                                        </p:tgtEl>
+                                      </p:cBhvr>
+                                      <p:to x="100000" y="90000"/>
+                                    </p:animScale>
+                                    <p:animScale>
+                                      <p:cBhvr>
+                                        <p:cTn id="18" dur="166" decel="50000">
+                                          <p:stCondLst>
+                                            <p:cond delay="1668"/>
+                                          </p:stCondLst>
+                                        </p:cTn>
+                                        <p:tgtEl>
+                                          <p:spTgt spid="7"/>
+                                        </p:tgtEl>
+                                      </p:cBhvr>
+                                      <p:to x="100000" y="100000"/>
+                                    </p:animScale>
+                                    <p:animScale>
+                                      <p:cBhvr>
+                                        <p:cTn id="19" dur="26">
+                                          <p:stCondLst>
+                                            <p:cond delay="1808"/>
+                                          </p:stCondLst>
+                                        </p:cTn>
+                                        <p:tgtEl>
+                                          <p:spTgt spid="7"/>
+                                        </p:tgtEl>
+                                      </p:cBhvr>
+                                      <p:to x="100000" y="95000"/>
+                                    </p:animScale>
+                                    <p:animScale>
+                                      <p:cBhvr>
+                                        <p:cTn id="20" dur="166" decel="50000">
+                                          <p:stCondLst>
+                                            <p:cond delay="1834"/>
+                                          </p:stCondLst>
+                                        </p:cTn>
+                                        <p:tgtEl>
+                                          <p:spTgt spid="7"/>
+                                        </p:tgtEl>
+                                      </p:cBhvr>
+                                      <p:to x="100000" y="100000"/>
+                                    </p:animScale>
+                                  </p:childTnLst>
+                                </p:cTn>
+                              </p:par>
+                            </p:childTnLst>
+                          </p:cTn>
+                        </p:par>
+                      </p:childTnLst>
+                    </p:cTn>
+                  </p:par>
+                  <p:par>
+                    <p:cTn id="21" fill="hold">
+                      <p:stCondLst>
+                        <p:cond delay="indefinite"/>
+                      </p:stCondLst>
+                      <p:childTnLst>
+                        <p:par>
+                          <p:cTn id="22" fill="hold">
+                            <p:stCondLst>
+                              <p:cond delay="0"/>
+                            </p:stCondLst>
+                            <p:childTnLst>
+                              <p:par>
+                                <p:cTn id="23" presetID="22" presetClass="entr" presetSubtype="8" fill="hold" grpId="0" nodeType="clickEffect">
+                                  <p:stCondLst>
+                                    <p:cond delay="0"/>
+                                  </p:stCondLst>
+                                  <p:childTnLst>
+                                    <p:set>
+                                      <p:cBhvr>
+                                        <p:cTn id="24" dur="1" fill="hold">
+                                          <p:stCondLst>
+                                            <p:cond delay="0"/>
+                                          </p:stCondLst>
+                                        </p:cTn>
+                                        <p:tgtEl>
+                                          <p:spTgt spid="3"/>
+                                        </p:tgtEl>
+                                        <p:attrNameLst>
+                                          <p:attrName>style.visibility</p:attrName>
+                                        </p:attrNameLst>
+                                      </p:cBhvr>
+                                      <p:to>
+                                        <p:strVal val="visible"/>
+                                      </p:to>
+                                    </p:set>
+                                    <p:animEffect transition="in" filter="wipe(left)">
+                                      <p:cBhvr>
+                                        <p:cTn id="25" dur="500"/>
+                                        <p:tgtEl>
+                                          <p:spTgt spid="3"/>
+                                        </p:tgtEl>
+                                      </p:cBhvr>
+                                    </p:animEffect>
+                                  </p:childTnLst>
+                                </p:cTn>
+                              </p:par>
+                            </p:childTnLst>
+                          </p:cTn>
+                        </p:par>
+                      </p:childTnLst>
+                    </p:cTn>
+                  </p:par>
+                </p:childTnLst>
+              </p:cTn>
+              <p:prevCondLst>
+                <p:cond evt="onPrev" delay="0">
+                  <p:tgtEl>
+                    <p:sldTgt/>
+                  </p:tgtEl>
+                </p:cond>
+              </p:prevCondLst>
+              <p:nextCondLst>
+                <p:cond evt="onNext" delay="0">
+                  <p:tgtEl>
+                    <p:sldTgt/>
+                  </p:tgtEl>
+                </p:cond>
+              </p:nextCondLst>
+            </p:seq>
+          </p:childTnLst>
+        </p:cTn>
+      </p:par>
+    </p:tnLst>
+    <p:bldLst>
+      <p:bldP spid="7" grpId="0" animBg="1"/>
+      <p:bldP spid="3" grpId="0"/>
+    </p:bldLst>
+  </p:timing>
+</p:sld>
+</file>
+
 <file path=ppt/slides/slide8.xml><?xml version="1.0" encoding="utf-8"?>
 <p:sld xmlns:a="http://schemas.openxmlformats.org/drawingml/2006/main" xmlns:r="http://schemas.openxmlformats.org/officeDocument/2006/relationships" xmlns:p="http://schemas.openxmlformats.org/presentationml/2006/main">
   <p:cSld>
@@ -13117,7 +13828,7 @@
           <a:p>
             <a:r>
               <a:rPr lang="en-GB" dirty="0"/>
-              <a:t>And the deconstruction of Objects to JSON text</a:t>
+              <a:t>And the deconstruction of Objects into JSON text</a:t>
             </a:r>
           </a:p>
           <a:p>
